--- a/Presentation_Project3_Group1.pptx
+++ b/Presentation_Project3_Group1.pptx
@@ -5,12 +5,17 @@
     <p:sldMasterId id="2147483648" r:id="rId1"/>
   </p:sldMasterIdLst>
   <p:notesMasterIdLst>
-    <p:notesMasterId r:id="rId5"/>
+    <p:notesMasterId r:id="rId10"/>
   </p:notesMasterIdLst>
   <p:sldIdLst>
     <p:sldId id="256" r:id="rId2"/>
-    <p:sldId id="271" r:id="rId3"/>
-    <p:sldId id="270" r:id="rId4"/>
+    <p:sldId id="272" r:id="rId3"/>
+    <p:sldId id="273" r:id="rId4"/>
+    <p:sldId id="274" r:id="rId5"/>
+    <p:sldId id="277" r:id="rId6"/>
+    <p:sldId id="275" r:id="rId7"/>
+    <p:sldId id="276" r:id="rId8"/>
+    <p:sldId id="270" r:id="rId9"/>
   </p:sldIdLst>
   <p:sldSz cx="12192000" cy="6858000"/>
   <p:notesSz cx="6858000" cy="9144000"/>
@@ -220,7 +225,7 @@
           <a:p>
             <a:fld id="{2A0C9F68-8197-044B-A1A4-5CDFED8B4B50}" type="datetimeFigureOut">
               <a:rPr lang="en-US" smtClean="0"/>
-              <a:t>4/6/2024</a:t>
+              <a:t>4/15/2024</a:t>
             </a:fld>
             <a:endParaRPr lang="en-US"/>
           </a:p>
@@ -718,7 +723,7 @@
           <a:p>
             <a:fld id="{D6800F3B-9E64-5848-9A65-569B5C45F642}" type="datetimeFigureOut">
               <a:rPr lang="en-US" smtClean="0"/>
-              <a:t>4/6/2024</a:t>
+              <a:t>4/15/2024</a:t>
             </a:fld>
             <a:endParaRPr lang="en-US"/>
           </a:p>
@@ -916,7 +921,7 @@
           <a:p>
             <a:fld id="{D6800F3B-9E64-5848-9A65-569B5C45F642}" type="datetimeFigureOut">
               <a:rPr lang="en-US" smtClean="0"/>
-              <a:t>4/6/2024</a:t>
+              <a:t>4/15/2024</a:t>
             </a:fld>
             <a:endParaRPr lang="en-US"/>
           </a:p>
@@ -1124,7 +1129,7 @@
           <a:p>
             <a:fld id="{D6800F3B-9E64-5848-9A65-569B5C45F642}" type="datetimeFigureOut">
               <a:rPr lang="en-US" smtClean="0"/>
-              <a:t>4/6/2024</a:t>
+              <a:t>4/15/2024</a:t>
             </a:fld>
             <a:endParaRPr lang="en-US"/>
           </a:p>
@@ -1322,7 +1327,7 @@
           <a:p>
             <a:fld id="{D6800F3B-9E64-5848-9A65-569B5C45F642}" type="datetimeFigureOut">
               <a:rPr lang="en-US" smtClean="0"/>
-              <a:t>4/6/2024</a:t>
+              <a:t>4/15/2024</a:t>
             </a:fld>
             <a:endParaRPr lang="en-US"/>
           </a:p>
@@ -1597,7 +1602,7 @@
           <a:p>
             <a:fld id="{D6800F3B-9E64-5848-9A65-569B5C45F642}" type="datetimeFigureOut">
               <a:rPr lang="en-US" smtClean="0"/>
-              <a:t>4/6/2024</a:t>
+              <a:t>4/15/2024</a:t>
             </a:fld>
             <a:endParaRPr lang="en-US"/>
           </a:p>
@@ -1862,7 +1867,7 @@
           <a:p>
             <a:fld id="{D6800F3B-9E64-5848-9A65-569B5C45F642}" type="datetimeFigureOut">
               <a:rPr lang="en-US" smtClean="0"/>
-              <a:t>4/6/2024</a:t>
+              <a:t>4/15/2024</a:t>
             </a:fld>
             <a:endParaRPr lang="en-US"/>
           </a:p>
@@ -2274,7 +2279,7 @@
           <a:p>
             <a:fld id="{D6800F3B-9E64-5848-9A65-569B5C45F642}" type="datetimeFigureOut">
               <a:rPr lang="en-US" smtClean="0"/>
-              <a:t>4/6/2024</a:t>
+              <a:t>4/15/2024</a:t>
             </a:fld>
             <a:endParaRPr lang="en-US"/>
           </a:p>
@@ -2415,7 +2420,7 @@
           <a:p>
             <a:fld id="{D6800F3B-9E64-5848-9A65-569B5C45F642}" type="datetimeFigureOut">
               <a:rPr lang="en-US" smtClean="0"/>
-              <a:t>4/6/2024</a:t>
+              <a:t>4/15/2024</a:t>
             </a:fld>
             <a:endParaRPr lang="en-US"/>
           </a:p>
@@ -2528,7 +2533,7 @@
           <a:p>
             <a:fld id="{D6800F3B-9E64-5848-9A65-569B5C45F642}" type="datetimeFigureOut">
               <a:rPr lang="en-US" smtClean="0"/>
-              <a:t>4/6/2024</a:t>
+              <a:t>4/15/2024</a:t>
             </a:fld>
             <a:endParaRPr lang="en-US"/>
           </a:p>
@@ -2839,7 +2844,7 @@
           <a:p>
             <a:fld id="{D6800F3B-9E64-5848-9A65-569B5C45F642}" type="datetimeFigureOut">
               <a:rPr lang="en-US" smtClean="0"/>
-              <a:t>4/6/2024</a:t>
+              <a:t>4/15/2024</a:t>
             </a:fld>
             <a:endParaRPr lang="en-US"/>
           </a:p>
@@ -3127,7 +3132,7 @@
           <a:p>
             <a:fld id="{D6800F3B-9E64-5848-9A65-569B5C45F642}" type="datetimeFigureOut">
               <a:rPr lang="en-US" smtClean="0"/>
-              <a:t>4/6/2024</a:t>
+              <a:t>4/15/2024</a:t>
             </a:fld>
             <a:endParaRPr lang="en-US"/>
           </a:p>
@@ -3368,7 +3373,7 @@
           <a:p>
             <a:fld id="{D6800F3B-9E64-5848-9A65-569B5C45F642}" type="datetimeFigureOut">
               <a:rPr lang="en-US" smtClean="0"/>
-              <a:t>4/6/2024</a:t>
+              <a:t>4/15/2024</a:t>
             </a:fld>
             <a:endParaRPr lang="en-US"/>
           </a:p>
@@ -3803,13 +3808,13 @@
         </p:nvSpPr>
         <p:spPr>
           <a:xfrm>
-            <a:off x="548640" y="101203"/>
-            <a:ext cx="11347704" cy="2221373"/>
+            <a:off x="350520" y="155448"/>
+            <a:ext cx="11347704" cy="2084832"/>
           </a:xfrm>
         </p:spPr>
         <p:txBody>
           <a:bodyPr>
-            <a:normAutofit fontScale="77500" lnSpcReduction="20000"/>
+            <a:normAutofit fontScale="55000" lnSpcReduction="20000"/>
           </a:bodyPr>
           <a:lstStyle/>
           <a:p>
@@ -3819,7 +3824,7 @@
               </a:lnSpc>
             </a:pPr>
             <a:r>
-              <a:rPr lang="en-AU" sz="4600" dirty="0">
+              <a:rPr lang="en-AU" sz="5800" dirty="0">
                 <a:effectLst/>
                 <a:latin typeface="Futura Medium" panose="020B0602020204020303" pitchFamily="34" charset="-79"/>
                 <a:ea typeface="Aptos" panose="020B0004020202020204" pitchFamily="34" charset="0"/>
@@ -3835,14 +3840,66 @@
               </a:lnSpc>
             </a:pPr>
             <a:r>
-              <a:rPr lang="en-AU" sz="4600" dirty="0">
+              <a:rPr lang="en-AU" sz="5900" dirty="0">
                 <a:latin typeface="Futura Medium" panose="020B0602020204020303" pitchFamily="34" charset="-79"/>
                 <a:ea typeface="Aptos" panose="020B0004020202020204" pitchFamily="34" charset="0"/>
                 <a:cs typeface="Futura Medium" panose="020B0602020204020303" pitchFamily="34" charset="-79"/>
               </a:rPr>
-              <a:t>Title</a:t>
-            </a:r>
-            <a:endParaRPr lang="en-AU" sz="4600" dirty="0">
+              <a:t>Title: </a:t>
+            </a:r>
+            <a:r>
+              <a:rPr lang="en-US" sz="5900" b="0" i="0" dirty="0" err="1">
+                <a:solidFill>
+                  <a:srgbClr val="1D1C1D"/>
+                </a:solidFill>
+                <a:effectLst/>
+                <a:highlight>
+                  <a:srgbClr val="FFFFFF"/>
+                </a:highlight>
+                <a:latin typeface="Slack-Lato"/>
+              </a:rPr>
+              <a:t>NutriVis</a:t>
+            </a:r>
+            <a:r>
+              <a:rPr lang="en-US" sz="5900" b="0" i="0" dirty="0">
+                <a:solidFill>
+                  <a:srgbClr val="1D1C1D"/>
+                </a:solidFill>
+                <a:effectLst/>
+                <a:highlight>
+                  <a:srgbClr val="FFFFFF"/>
+                </a:highlight>
+                <a:latin typeface="Slack-Lato"/>
+              </a:rPr>
+              <a:t> - </a:t>
+            </a:r>
+            <a:r>
+              <a:rPr lang="en-US" sz="5900" b="0" i="0" dirty="0" err="1">
+                <a:solidFill>
+                  <a:srgbClr val="1D1C1D"/>
+                </a:solidFill>
+                <a:effectLst/>
+                <a:highlight>
+                  <a:srgbClr val="FFFFFF"/>
+                </a:highlight>
+                <a:latin typeface="Slack-Lato"/>
+              </a:rPr>
+              <a:t>Visualising</a:t>
+            </a:r>
+            <a:r>
+              <a:rPr lang="en-US" sz="5900" b="0" i="0" dirty="0">
+                <a:solidFill>
+                  <a:srgbClr val="1D1C1D"/>
+                </a:solidFill>
+                <a:effectLst/>
+                <a:highlight>
+                  <a:srgbClr val="FFFFFF"/>
+                </a:highlight>
+                <a:latin typeface="Slack-Lato"/>
+              </a:rPr>
+              <a:t> Nutritional Profiles of Foods</a:t>
+            </a:r>
+            <a:endParaRPr lang="en-AU" sz="5900" dirty="0">
               <a:effectLst/>
               <a:latin typeface="Futura Medium" panose="020B0602020204020303" pitchFamily="34" charset="-79"/>
               <a:ea typeface="Aptos" panose="020B0004020202020204" pitchFamily="34" charset="0"/>
@@ -3880,8 +3937,8 @@
         </p:nvSpPr>
         <p:spPr>
           <a:xfrm>
-            <a:off x="4992624" y="4468551"/>
-            <a:ext cx="3611880" cy="1968206"/>
+            <a:off x="3858768" y="3685032"/>
+            <a:ext cx="4247771" cy="2583704"/>
           </a:xfrm>
           <a:prstGeom prst="rect">
             <a:avLst/>
@@ -4068,7 +4125,7 @@
               </a:spcAft>
             </a:pPr>
             <a:r>
-              <a:rPr lang="en-AU" sz="1400" u="sng" dirty="0">
+              <a:rPr lang="en-AU" sz="2000" u="sng" dirty="0">
                 <a:latin typeface="Futura Medium" panose="020B0602020204020303" pitchFamily="34" charset="-79"/>
                 <a:ea typeface="Arial Unicode MS" panose="020B0604020202020204" pitchFamily="34" charset="-128"/>
                 <a:cs typeface="Futura Medium" panose="020B0602020204020303" pitchFamily="34" charset="-79"/>
@@ -4078,7 +4135,7 @@
           </a:p>
           <a:p>
             <a:r>
-              <a:rPr lang="en-AU" sz="1600" dirty="0">
+              <a:rPr lang="en-AU" sz="2000" dirty="0">
                 <a:latin typeface="Futura Medium" panose="020B0602020204020303" pitchFamily="34" charset="-79"/>
                 <a:ea typeface="Arial Unicode MS" panose="020B0604020202020204" pitchFamily="34" charset="-128"/>
                 <a:cs typeface="Futura Medium" panose="020B0602020204020303" pitchFamily="34" charset="-79"/>
@@ -4088,7 +4145,7 @@
           </a:p>
           <a:p>
             <a:r>
-              <a:rPr lang="en-AU" sz="1600" dirty="0">
+              <a:rPr lang="en-AU" sz="2000" dirty="0">
                 <a:latin typeface="Futura Medium" panose="020B0602020204020303" pitchFamily="34" charset="-79"/>
                 <a:ea typeface="Arial Unicode MS" panose="020B0604020202020204" pitchFamily="34" charset="-128"/>
                 <a:cs typeface="Futura Medium" panose="020B0602020204020303" pitchFamily="34" charset="-79"/>
@@ -4098,7 +4155,7 @@
           </a:p>
           <a:p>
             <a:r>
-              <a:rPr lang="en-AU" sz="1600" dirty="0">
+              <a:rPr lang="en-AU" sz="2000" dirty="0">
                 <a:latin typeface="Futura Medium" panose="020B0602020204020303" pitchFamily="34" charset="-79"/>
                 <a:ea typeface="Arial Unicode MS" panose="020B0604020202020204" pitchFamily="34" charset="-128"/>
                 <a:cs typeface="Futura Medium" panose="020B0602020204020303" pitchFamily="34" charset="-79"/>
@@ -4108,7 +4165,7 @@
           </a:p>
           <a:p>
             <a:r>
-              <a:rPr lang="en-AU" sz="1600" dirty="0">
+              <a:rPr lang="en-AU" sz="2000" dirty="0">
                 <a:latin typeface="Futura Medium" panose="020B0602020204020303" pitchFamily="34" charset="-79"/>
                 <a:ea typeface="Arial Unicode MS" panose="020B0604020202020204" pitchFamily="34" charset="-128"/>
                 <a:cs typeface="Futura Medium" panose="020B0602020204020303" pitchFamily="34" charset="-79"/>
@@ -4153,7 +4210,7 @@
           <p:cNvPr id="2" name="Title 1">
             <a:extLst>
               <a:ext uri="{FF2B5EF4-FFF2-40B4-BE49-F238E27FC236}">
-                <a16:creationId xmlns:a16="http://schemas.microsoft.com/office/drawing/2014/main" id="{673B18CE-A86E-4D4E-80D9-08B5FB48FD9A}"/>
+                <a16:creationId xmlns:a16="http://schemas.microsoft.com/office/drawing/2014/main" id="{05406345-D177-B2A6-DEC9-36006334932E}"/>
               </a:ext>
             </a:extLst>
           </p:cNvPr>
@@ -4164,24 +4221,29 @@
             <p:ph type="title"/>
           </p:nvPr>
         </p:nvSpPr>
-        <p:spPr/>
+        <p:spPr>
+          <a:xfrm>
+            <a:off x="752475" y="333375"/>
+            <a:ext cx="10515600" cy="1081088"/>
+          </a:xfrm>
+        </p:spPr>
         <p:txBody>
           <a:bodyPr/>
           <a:lstStyle/>
           <a:p>
             <a:r>
               <a:rPr lang="en-AU" dirty="0"/>
-              <a:t>Requirements</a:t>
-            </a:r>
-          </a:p>
-        </p:txBody>
-      </p:sp>
-      <p:sp>
-        <p:nvSpPr>
-          <p:cNvPr id="3" name="Content Placeholder 2">
-            <a:extLst>
-              <a:ext uri="{FF2B5EF4-FFF2-40B4-BE49-F238E27FC236}">
-                <a16:creationId xmlns:a16="http://schemas.microsoft.com/office/drawing/2014/main" id="{870B16E2-F9A3-8D4C-4A33-7A15D12C6797}"/>
+              <a:t>Overview and purpose</a:t>
+            </a:r>
+          </a:p>
+        </p:txBody>
+      </p:sp>
+      <p:sp>
+        <p:nvSpPr>
+          <p:cNvPr id="5" name="Content Placeholder 4">
+            <a:extLst>
+              <a:ext uri="{FF2B5EF4-FFF2-40B4-BE49-F238E27FC236}">
+                <a16:creationId xmlns:a16="http://schemas.microsoft.com/office/drawing/2014/main" id="{2CEC8FA8-956E-19CA-FCD2-A9939DD31CC7}"/>
               </a:ext>
             </a:extLst>
           </p:cNvPr>
@@ -4192,99 +4254,83 @@
             <p:ph idx="1"/>
           </p:nvPr>
         </p:nvSpPr>
-        <p:spPr/>
+        <p:spPr>
+          <a:xfrm>
+            <a:off x="5952744" y="1825624"/>
+            <a:ext cx="5934456" cy="4812919"/>
+          </a:xfrm>
+        </p:spPr>
         <p:txBody>
           <a:bodyPr/>
           <a:lstStyle/>
           <a:p>
-            <a:pPr algn="l"/>
-            <a:r>
-              <a:rPr lang="en-US" b="1" i="0" dirty="0">
-                <a:effectLst/>
-                <a:latin typeface="Roboto" panose="02000000000000000000" pitchFamily="2" charset="0"/>
-              </a:rPr>
-              <a:t>Group Presentation (25 points)</a:t>
-            </a:r>
-          </a:p>
-          <a:p>
-            <a:pPr algn="l">
-              <a:buFont typeface="Arial" panose="020B0604020202020204" pitchFamily="34" charset="0"/>
-              <a:buChar char="•"/>
-            </a:pPr>
-            <a:r>
-              <a:rPr lang="en-US" b="0" i="0" dirty="0">
+            <a:r>
+              <a:rPr lang="en-AU" dirty="0"/>
+              <a:t>By visualising nutritional profiles of various foods, the project allows users to check the specific nutrition values provided by the food of their choice. </a:t>
+            </a:r>
+          </a:p>
+          <a:p>
+            <a:endParaRPr lang="en-AU" dirty="0"/>
+          </a:p>
+          <a:p>
+            <a:r>
+              <a:rPr lang="en-AU" dirty="0"/>
+              <a:t>The project focuses on the nutrition values listed in the standard food labels; the users who may have specific nutrition needs shall seek professional advice. </a:t>
+            </a:r>
+          </a:p>
+        </p:txBody>
+      </p:sp>
+      <p:pic>
+        <p:nvPicPr>
+          <p:cNvPr id="6" name="Picture 4" descr="Food labels &amp; nutritional information | Raising Children Network">
+            <a:extLst>
+              <a:ext uri="{FF2B5EF4-FFF2-40B4-BE49-F238E27FC236}">
+                <a16:creationId xmlns:a16="http://schemas.microsoft.com/office/drawing/2014/main" id="{18B77972-CB54-5EC6-026D-D06960CC9199}"/>
+              </a:ext>
+            </a:extLst>
+          </p:cNvPr>
+          <p:cNvPicPr>
+            <a:picLocks noChangeAspect="1" noChangeArrowheads="1"/>
+          </p:cNvPicPr>
+          <p:nvPr/>
+        </p:nvPicPr>
+        <p:blipFill>
+          <a:blip r:embed="rId2">
+            <a:extLst>
+              <a:ext uri="{28A0092B-C50C-407E-A947-70E740481C1C}">
+                <a14:useLocalDpi xmlns:a14="http://schemas.microsoft.com/office/drawing/2010/main" val="0"/>
+              </a:ext>
+            </a:extLst>
+          </a:blip>
+          <a:srcRect/>
+          <a:stretch>
+            <a:fillRect/>
+          </a:stretch>
+        </p:blipFill>
+        <p:spPr bwMode="auto">
+          <a:xfrm>
+            <a:off x="147066" y="1825624"/>
+            <a:ext cx="5486400" cy="5032375"/>
+          </a:xfrm>
+          <a:prstGeom prst="rect">
+            <a:avLst/>
+          </a:prstGeom>
+          <a:noFill/>
+          <a:extLst>
+            <a:ext uri="{909E8E84-426E-40DD-AFC4-6F175D3DCCD1}">
+              <a14:hiddenFill xmlns:a14="http://schemas.microsoft.com/office/drawing/2010/main">
                 <a:solidFill>
-                  <a:srgbClr val="2B2B2B"/>
+                  <a:srgbClr val="FFFFFF"/>
                 </a:solidFill>
-                <a:effectLst/>
-                <a:latin typeface="Roboto" panose="02000000000000000000" pitchFamily="2" charset="0"/>
-              </a:rPr>
-              <a:t>All group members speak during the presentation. (5 points)</a:t>
-            </a:r>
-          </a:p>
-          <a:p>
-            <a:pPr algn="l">
-              <a:buFont typeface="Arial" panose="020B0604020202020204" pitchFamily="34" charset="0"/>
-              <a:buChar char="•"/>
-            </a:pPr>
-            <a:r>
-              <a:rPr lang="en-US" b="0" i="0" dirty="0">
-                <a:solidFill>
-                  <a:srgbClr val="2B2B2B"/>
-                </a:solidFill>
-                <a:effectLst/>
-                <a:latin typeface="Roboto" panose="02000000000000000000" pitchFamily="2" charset="0"/>
-              </a:rPr>
-              <a:t>The content is relevant to the project. (5 points)</a:t>
-            </a:r>
-          </a:p>
-          <a:p>
-            <a:pPr algn="l">
-              <a:buFont typeface="Arial" panose="020B0604020202020204" pitchFamily="34" charset="0"/>
-              <a:buChar char="•"/>
-            </a:pPr>
-            <a:r>
-              <a:rPr lang="en-US" b="0" i="0" dirty="0">
-                <a:solidFill>
-                  <a:srgbClr val="2B2B2B"/>
-                </a:solidFill>
-                <a:effectLst/>
-                <a:latin typeface="Roboto" panose="02000000000000000000" pitchFamily="2" charset="0"/>
-              </a:rPr>
-              <a:t>The presentation maintains audience interest. (5 points)</a:t>
-            </a:r>
-          </a:p>
-          <a:p>
-            <a:pPr algn="l">
-              <a:buFont typeface="Arial" panose="020B0604020202020204" pitchFamily="34" charset="0"/>
-              <a:buChar char="•"/>
-            </a:pPr>
-            <a:r>
-              <a:rPr lang="en-US" b="0" i="0" dirty="0">
-                <a:solidFill>
-                  <a:srgbClr val="2B2B2B"/>
-                </a:solidFill>
-                <a:effectLst/>
-                <a:latin typeface="Roboto" panose="02000000000000000000" pitchFamily="2" charset="0"/>
-              </a:rPr>
-              <a:t>Content, transitions, and conclusions flow smoothly within any time restrictions. (10 points)</a:t>
-            </a:r>
-          </a:p>
-          <a:p>
-            <a:endParaRPr lang="en-AU" dirty="0"/>
-          </a:p>
-          <a:p>
-            <a:r>
-              <a:rPr lang="en-AU" dirty="0"/>
-              <a:t>10-13 minutes </a:t>
-            </a:r>
-          </a:p>
-        </p:txBody>
-      </p:sp>
+              </a14:hiddenFill>
+            </a:ext>
+          </a:extLst>
+        </p:spPr>
+      </p:pic>
     </p:spTree>
     <p:extLst>
       <p:ext uri="{BB962C8B-B14F-4D97-AF65-F5344CB8AC3E}">
-        <p14:creationId xmlns:p14="http://schemas.microsoft.com/office/powerpoint/2010/main" val="900850632"/>
+        <p14:creationId xmlns:p14="http://schemas.microsoft.com/office/powerpoint/2010/main" val="1574420946"/>
       </p:ext>
     </p:extLst>
   </p:cSld>
@@ -4295,6 +4341,671 @@
 </file>
 
 <file path=ppt/slides/slide3.xml><?xml version="1.0" encoding="utf-8"?>
+<p:sld xmlns:a="http://schemas.openxmlformats.org/drawingml/2006/main" xmlns:r="http://schemas.openxmlformats.org/officeDocument/2006/relationships" xmlns:p="http://schemas.openxmlformats.org/presentationml/2006/main">
+  <p:cSld>
+    <p:spTree>
+      <p:nvGrpSpPr>
+        <p:cNvPr id="1" name=""/>
+        <p:cNvGrpSpPr/>
+        <p:nvPr/>
+      </p:nvGrpSpPr>
+      <p:grpSpPr>
+        <a:xfrm>
+          <a:off x="0" y="0"/>
+          <a:ext cx="0" cy="0"/>
+          <a:chOff x="0" y="0"/>
+          <a:chExt cx="0" cy="0"/>
+        </a:xfrm>
+      </p:grpSpPr>
+      <p:sp>
+        <p:nvSpPr>
+          <p:cNvPr id="2" name="Title 1">
+            <a:extLst>
+              <a:ext uri="{FF2B5EF4-FFF2-40B4-BE49-F238E27FC236}">
+                <a16:creationId xmlns:a16="http://schemas.microsoft.com/office/drawing/2014/main" id="{20697BD5-44BB-DFB6-5A61-C80248A652B2}"/>
+              </a:ext>
+            </a:extLst>
+          </p:cNvPr>
+          <p:cNvSpPr>
+            <a:spLocks noGrp="1"/>
+          </p:cNvSpPr>
+          <p:nvPr>
+            <p:ph type="title"/>
+          </p:nvPr>
+        </p:nvSpPr>
+        <p:spPr>
+          <a:xfrm>
+            <a:off x="838200" y="365125"/>
+            <a:ext cx="10515600" cy="768731"/>
+          </a:xfrm>
+        </p:spPr>
+        <p:txBody>
+          <a:bodyPr>
+            <a:normAutofit fontScale="90000"/>
+          </a:bodyPr>
+          <a:lstStyle/>
+          <a:p>
+            <a:pPr algn="ctr"/>
+            <a:r>
+              <a:rPr lang="en-AU" dirty="0"/>
+              <a:t>Data</a:t>
+            </a:r>
+            <a:br>
+              <a:rPr lang="en-AU" dirty="0"/>
+            </a:br>
+            <a:endParaRPr lang="en-AU" sz="3200" dirty="0"/>
+          </a:p>
+        </p:txBody>
+      </p:sp>
+      <p:sp>
+        <p:nvSpPr>
+          <p:cNvPr id="3" name="Content Placeholder 2">
+            <a:extLst>
+              <a:ext uri="{FF2B5EF4-FFF2-40B4-BE49-F238E27FC236}">
+                <a16:creationId xmlns:a16="http://schemas.microsoft.com/office/drawing/2014/main" id="{565452F2-67D0-5B27-D4A2-374F3CE024ED}"/>
+              </a:ext>
+            </a:extLst>
+          </p:cNvPr>
+          <p:cNvSpPr>
+            <a:spLocks noGrp="1"/>
+          </p:cNvSpPr>
+          <p:nvPr>
+            <p:ph idx="1"/>
+          </p:nvPr>
+        </p:nvSpPr>
+        <p:spPr>
+          <a:xfrm>
+            <a:off x="838200" y="1362456"/>
+            <a:ext cx="10515600" cy="5230368"/>
+          </a:xfrm>
+        </p:spPr>
+        <p:txBody>
+          <a:bodyPr>
+            <a:normAutofit fontScale="92500" lnSpcReduction="20000"/>
+          </a:bodyPr>
+          <a:lstStyle/>
+          <a:p>
+            <a:r>
+              <a:rPr lang="en-AU" dirty="0"/>
+              <a:t>The original data consists of 8787 items of food extracted (E) from </a:t>
+            </a:r>
+            <a:r>
+              <a:rPr lang="en-AU" dirty="0" err="1"/>
+              <a:t>data.world</a:t>
+            </a:r>
+            <a:r>
+              <a:rPr lang="en-AU" dirty="0"/>
+              <a:t> (retrieved from </a:t>
+            </a:r>
+            <a:r>
+              <a:rPr lang="en-AU" b="0" i="0" u="none" strike="noStrike" dirty="0">
+                <a:effectLst/>
+                <a:highlight>
+                  <a:srgbClr val="FFFFFF"/>
+                </a:highlight>
+                <a:latin typeface="Slack-Lato"/>
+                <a:hlinkClick r:id="rId2"/>
+              </a:rPr>
+              <a:t>https://data.world/awram/food-nutritional-values/workspace/file?filename=ABBREV.xlsx</a:t>
+            </a:r>
+            <a:r>
+              <a:rPr lang="en-AU" b="0" i="0" u="none" strike="noStrike" dirty="0">
+                <a:effectLst/>
+                <a:highlight>
+                  <a:srgbClr val="FFFFFF"/>
+                </a:highlight>
+                <a:latin typeface="Slack-Lato"/>
+              </a:rPr>
+              <a:t>)</a:t>
+            </a:r>
+          </a:p>
+          <a:p>
+            <a:endParaRPr lang="en-AU" dirty="0">
+              <a:highlight>
+                <a:srgbClr val="FFFFFF"/>
+              </a:highlight>
+              <a:latin typeface="Slack-Lato"/>
+            </a:endParaRPr>
+          </a:p>
+          <a:p>
+            <a:r>
+              <a:rPr lang="en-AU" dirty="0"/>
+              <a:t>Transformation (T) of the original data is performed as follows before the visualisation:</a:t>
+            </a:r>
+          </a:p>
+          <a:p>
+            <a:pPr lvl="1"/>
+            <a:r>
+              <a:rPr lang="en-AU" dirty="0"/>
+              <a:t>Based on the descriptions, the food items have been categorised into 8 common categories: Dairy, Fruits, Grains, Meats, Nuts &amp; Seeds, Seafood, Vegetables, and others.</a:t>
+            </a:r>
+          </a:p>
+          <a:p>
+            <a:pPr lvl="1"/>
+            <a:r>
+              <a:rPr lang="en-AU" dirty="0"/>
+              <a:t>A final sample of 700 items were selected which consists of 100 for each category(sorted by values in descending order) above except for the broad category “others”.</a:t>
+            </a:r>
+          </a:p>
+          <a:p>
+            <a:pPr lvl="1"/>
+            <a:endParaRPr lang="en-AU" dirty="0"/>
+          </a:p>
+          <a:p>
+            <a:r>
+              <a:rPr lang="en-AU" dirty="0"/>
+              <a:t>Both the original dataset and the final sample of 700 food items are then exported as csv and </a:t>
+            </a:r>
+            <a:r>
+              <a:rPr lang="en-AU" dirty="0" err="1"/>
+              <a:t>json</a:t>
+            </a:r>
+            <a:r>
+              <a:rPr lang="en-AU" dirty="0"/>
+              <a:t> files and loaded (L) to MongoDB database to store and/or use when needed before the analyses are performed. </a:t>
+            </a:r>
+          </a:p>
+          <a:p>
+            <a:pPr marL="457200" lvl="1" indent="0">
+              <a:buNone/>
+            </a:pPr>
+            <a:r>
+              <a:rPr lang="en-AU" dirty="0"/>
+              <a:t> </a:t>
+            </a:r>
+          </a:p>
+        </p:txBody>
+      </p:sp>
+    </p:spTree>
+    <p:extLst>
+      <p:ext uri="{BB962C8B-B14F-4D97-AF65-F5344CB8AC3E}">
+        <p14:creationId xmlns:p14="http://schemas.microsoft.com/office/powerpoint/2010/main" val="4045897347"/>
+      </p:ext>
+    </p:extLst>
+  </p:cSld>
+  <p:clrMapOvr>
+    <a:masterClrMapping/>
+  </p:clrMapOvr>
+</p:sld>
+</file>
+
+<file path=ppt/slides/slide4.xml><?xml version="1.0" encoding="utf-8"?>
+<p:sld xmlns:a="http://schemas.openxmlformats.org/drawingml/2006/main" xmlns:r="http://schemas.openxmlformats.org/officeDocument/2006/relationships" xmlns:p="http://schemas.openxmlformats.org/presentationml/2006/main">
+  <p:cSld>
+    <p:spTree>
+      <p:nvGrpSpPr>
+        <p:cNvPr id="1" name=""/>
+        <p:cNvGrpSpPr/>
+        <p:nvPr/>
+      </p:nvGrpSpPr>
+      <p:grpSpPr>
+        <a:xfrm>
+          <a:off x="0" y="0"/>
+          <a:ext cx="0" cy="0"/>
+          <a:chOff x="0" y="0"/>
+          <a:chExt cx="0" cy="0"/>
+        </a:xfrm>
+      </p:grpSpPr>
+      <p:sp>
+        <p:nvSpPr>
+          <p:cNvPr id="2" name="Title 1">
+            <a:extLst>
+              <a:ext uri="{FF2B5EF4-FFF2-40B4-BE49-F238E27FC236}">
+                <a16:creationId xmlns:a16="http://schemas.microsoft.com/office/drawing/2014/main" id="{0B67735B-9E11-1A41-9C4D-85F03986316B}"/>
+              </a:ext>
+            </a:extLst>
+          </p:cNvPr>
+          <p:cNvSpPr>
+            <a:spLocks noGrp="1"/>
+          </p:cNvSpPr>
+          <p:nvPr>
+            <p:ph type="title"/>
+          </p:nvPr>
+        </p:nvSpPr>
+        <p:spPr>
+          <a:xfrm>
+            <a:off x="755904" y="17653"/>
+            <a:ext cx="10515600" cy="1107059"/>
+          </a:xfrm>
+        </p:spPr>
+        <p:txBody>
+          <a:bodyPr>
+            <a:normAutofit fontScale="90000"/>
+          </a:bodyPr>
+          <a:lstStyle/>
+          <a:p>
+            <a:pPr algn="ctr"/>
+            <a:r>
+              <a:rPr lang="en-AU" dirty="0"/>
+              <a:t>Visualisation 1: Average nutrition values provided by each category</a:t>
+            </a:r>
+          </a:p>
+        </p:txBody>
+      </p:sp>
+      <p:pic>
+        <p:nvPicPr>
+          <p:cNvPr id="7" name="Picture 6">
+            <a:extLst>
+              <a:ext uri="{FF2B5EF4-FFF2-40B4-BE49-F238E27FC236}">
+                <a16:creationId xmlns:a16="http://schemas.microsoft.com/office/drawing/2014/main" id="{E1775C03-DA00-20BE-7060-99D5FB4CD33D}"/>
+              </a:ext>
+            </a:extLst>
+          </p:cNvPr>
+          <p:cNvPicPr>
+            <a:picLocks noChangeAspect="1"/>
+          </p:cNvPicPr>
+          <p:nvPr/>
+        </p:nvPicPr>
+        <p:blipFill>
+          <a:blip r:embed="rId2"/>
+          <a:stretch>
+            <a:fillRect/>
+          </a:stretch>
+        </p:blipFill>
+        <p:spPr>
+          <a:xfrm>
+            <a:off x="1161288" y="1124712"/>
+            <a:ext cx="9994391" cy="5733288"/>
+          </a:xfrm>
+          <a:prstGeom prst="rect">
+            <a:avLst/>
+          </a:prstGeom>
+        </p:spPr>
+      </p:pic>
+    </p:spTree>
+    <p:extLst>
+      <p:ext uri="{BB962C8B-B14F-4D97-AF65-F5344CB8AC3E}">
+        <p14:creationId xmlns:p14="http://schemas.microsoft.com/office/powerpoint/2010/main" val="2390047257"/>
+      </p:ext>
+    </p:extLst>
+  </p:cSld>
+  <p:clrMapOvr>
+    <a:masterClrMapping/>
+  </p:clrMapOvr>
+</p:sld>
+</file>
+
+<file path=ppt/slides/slide5.xml><?xml version="1.0" encoding="utf-8"?>
+<p:sld xmlns:a="http://schemas.openxmlformats.org/drawingml/2006/main" xmlns:r="http://schemas.openxmlformats.org/officeDocument/2006/relationships" xmlns:p="http://schemas.openxmlformats.org/presentationml/2006/main">
+  <p:cSld>
+    <p:spTree>
+      <p:nvGrpSpPr>
+        <p:cNvPr id="1" name=""/>
+        <p:cNvGrpSpPr/>
+        <p:nvPr/>
+      </p:nvGrpSpPr>
+      <p:grpSpPr>
+        <a:xfrm>
+          <a:off x="0" y="0"/>
+          <a:ext cx="0" cy="0"/>
+          <a:chOff x="0" y="0"/>
+          <a:chExt cx="0" cy="0"/>
+        </a:xfrm>
+      </p:grpSpPr>
+      <p:sp>
+        <p:nvSpPr>
+          <p:cNvPr id="2" name="Title 1">
+            <a:extLst>
+              <a:ext uri="{FF2B5EF4-FFF2-40B4-BE49-F238E27FC236}">
+                <a16:creationId xmlns:a16="http://schemas.microsoft.com/office/drawing/2014/main" id="{0B67735B-9E11-1A41-9C4D-85F03986316B}"/>
+              </a:ext>
+            </a:extLst>
+          </p:cNvPr>
+          <p:cNvSpPr>
+            <a:spLocks noGrp="1"/>
+          </p:cNvSpPr>
+          <p:nvPr>
+            <p:ph type="title"/>
+          </p:nvPr>
+        </p:nvSpPr>
+        <p:spPr>
+          <a:xfrm>
+            <a:off x="902208" y="108688"/>
+            <a:ext cx="10515600" cy="913361"/>
+          </a:xfrm>
+        </p:spPr>
+        <p:txBody>
+          <a:bodyPr>
+            <a:normAutofit fontScale="90000"/>
+          </a:bodyPr>
+          <a:lstStyle/>
+          <a:p>
+            <a:pPr algn="ctr"/>
+            <a:r>
+              <a:rPr lang="en-AU" dirty="0"/>
+              <a:t>Visualisation 2: a comparison of nutrition values </a:t>
+            </a:r>
+            <a:br>
+              <a:rPr lang="en-AU" dirty="0"/>
+            </a:br>
+            <a:r>
+              <a:rPr lang="en-AU" dirty="0"/>
+              <a:t>between two categories of your choice</a:t>
+            </a:r>
+          </a:p>
+        </p:txBody>
+      </p:sp>
+      <p:pic>
+        <p:nvPicPr>
+          <p:cNvPr id="4" name="Picture 3">
+            <a:extLst>
+              <a:ext uri="{FF2B5EF4-FFF2-40B4-BE49-F238E27FC236}">
+                <a16:creationId xmlns:a16="http://schemas.microsoft.com/office/drawing/2014/main" id="{860C8CC4-1B05-29E6-8D9C-6B462B076D2D}"/>
+              </a:ext>
+            </a:extLst>
+          </p:cNvPr>
+          <p:cNvPicPr>
+            <a:picLocks noChangeAspect="1"/>
+          </p:cNvPicPr>
+          <p:nvPr/>
+        </p:nvPicPr>
+        <p:blipFill>
+          <a:blip r:embed="rId2"/>
+          <a:stretch>
+            <a:fillRect/>
+          </a:stretch>
+        </p:blipFill>
+        <p:spPr>
+          <a:xfrm>
+            <a:off x="1133856" y="1179576"/>
+            <a:ext cx="10030968" cy="5678424"/>
+          </a:xfrm>
+          <a:prstGeom prst="rect">
+            <a:avLst/>
+          </a:prstGeom>
+        </p:spPr>
+      </p:pic>
+    </p:spTree>
+    <p:extLst>
+      <p:ext uri="{BB962C8B-B14F-4D97-AF65-F5344CB8AC3E}">
+        <p14:creationId xmlns:p14="http://schemas.microsoft.com/office/powerpoint/2010/main" val="1578018285"/>
+      </p:ext>
+    </p:extLst>
+  </p:cSld>
+  <p:clrMapOvr>
+    <a:masterClrMapping/>
+  </p:clrMapOvr>
+</p:sld>
+</file>
+
+<file path=ppt/slides/slide6.xml><?xml version="1.0" encoding="utf-8"?>
+<p:sld xmlns:a="http://schemas.openxmlformats.org/drawingml/2006/main" xmlns:r="http://schemas.openxmlformats.org/officeDocument/2006/relationships" xmlns:p="http://schemas.openxmlformats.org/presentationml/2006/main">
+  <p:cSld>
+    <p:spTree>
+      <p:nvGrpSpPr>
+        <p:cNvPr id="1" name=""/>
+        <p:cNvGrpSpPr/>
+        <p:nvPr/>
+      </p:nvGrpSpPr>
+      <p:grpSpPr>
+        <a:xfrm>
+          <a:off x="0" y="0"/>
+          <a:ext cx="0" cy="0"/>
+          <a:chOff x="0" y="0"/>
+          <a:chExt cx="0" cy="0"/>
+        </a:xfrm>
+      </p:grpSpPr>
+      <p:sp>
+        <p:nvSpPr>
+          <p:cNvPr id="2" name="Title 1">
+            <a:extLst>
+              <a:ext uri="{FF2B5EF4-FFF2-40B4-BE49-F238E27FC236}">
+                <a16:creationId xmlns:a16="http://schemas.microsoft.com/office/drawing/2014/main" id="{5E034B96-3120-67CB-0F88-8E6F6CD83284}"/>
+              </a:ext>
+            </a:extLst>
+          </p:cNvPr>
+          <p:cNvSpPr>
+            <a:spLocks noGrp="1"/>
+          </p:cNvSpPr>
+          <p:nvPr>
+            <p:ph type="title"/>
+          </p:nvPr>
+        </p:nvSpPr>
+        <p:spPr>
+          <a:xfrm>
+            <a:off x="774192" y="18255"/>
+            <a:ext cx="10515600" cy="1325563"/>
+          </a:xfrm>
+        </p:spPr>
+        <p:txBody>
+          <a:bodyPr/>
+          <a:lstStyle/>
+          <a:p>
+            <a:pPr algn="ctr"/>
+            <a:r>
+              <a:rPr lang="en-AU" dirty="0"/>
+              <a:t>Visualisation 3 (interactive): </a:t>
+            </a:r>
+            <a:br>
+              <a:rPr lang="en-AU" dirty="0"/>
+            </a:br>
+            <a:r>
+              <a:rPr lang="en-AU" dirty="0"/>
+              <a:t>An example of food label generated</a:t>
+            </a:r>
+          </a:p>
+        </p:txBody>
+      </p:sp>
+      <p:pic>
+        <p:nvPicPr>
+          <p:cNvPr id="6" name="Picture 4" descr="Food labels &amp; nutritional information | Raising Children Network">
+            <a:extLst>
+              <a:ext uri="{FF2B5EF4-FFF2-40B4-BE49-F238E27FC236}">
+                <a16:creationId xmlns:a16="http://schemas.microsoft.com/office/drawing/2014/main" id="{0860EEC8-88C1-D10C-4B68-3C15053CACD7}"/>
+              </a:ext>
+            </a:extLst>
+          </p:cNvPr>
+          <p:cNvPicPr>
+            <a:picLocks noChangeAspect="1" noChangeArrowheads="1"/>
+          </p:cNvPicPr>
+          <p:nvPr/>
+        </p:nvPicPr>
+        <p:blipFill>
+          <a:blip r:embed="rId2">
+            <a:extLst>
+              <a:ext uri="{28A0092B-C50C-407E-A947-70E740481C1C}">
+                <a14:useLocalDpi xmlns:a14="http://schemas.microsoft.com/office/drawing/2010/main" val="0"/>
+              </a:ext>
+            </a:extLst>
+          </a:blip>
+          <a:srcRect/>
+          <a:stretch>
+            <a:fillRect/>
+          </a:stretch>
+        </p:blipFill>
+        <p:spPr bwMode="auto">
+          <a:xfrm>
+            <a:off x="704850" y="1493265"/>
+            <a:ext cx="5486400" cy="5032375"/>
+          </a:xfrm>
+          <a:prstGeom prst="rect">
+            <a:avLst/>
+          </a:prstGeom>
+          <a:noFill/>
+          <a:extLst>
+            <a:ext uri="{909E8E84-426E-40DD-AFC4-6F175D3DCCD1}">
+              <a14:hiddenFill xmlns:a14="http://schemas.microsoft.com/office/drawing/2010/main">
+                <a:solidFill>
+                  <a:srgbClr val="FFFFFF"/>
+                </a:solidFill>
+              </a14:hiddenFill>
+            </a:ext>
+          </a:extLst>
+        </p:spPr>
+      </p:pic>
+      <p:pic>
+        <p:nvPicPr>
+          <p:cNvPr id="10" name="Content Placeholder 9">
+            <a:extLst>
+              <a:ext uri="{FF2B5EF4-FFF2-40B4-BE49-F238E27FC236}">
+                <a16:creationId xmlns:a16="http://schemas.microsoft.com/office/drawing/2014/main" id="{58BF93C7-8F5C-C59B-1230-3CB0935ECB5A}"/>
+              </a:ext>
+            </a:extLst>
+          </p:cNvPr>
+          <p:cNvPicPr>
+            <a:picLocks noGrp="1" noChangeAspect="1"/>
+          </p:cNvPicPr>
+          <p:nvPr>
+            <p:ph idx="1"/>
+          </p:nvPr>
+        </p:nvPicPr>
+        <p:blipFill>
+          <a:blip r:embed="rId3"/>
+          <a:stretch>
+            <a:fillRect/>
+          </a:stretch>
+        </p:blipFill>
+        <p:spPr>
+          <a:xfrm>
+            <a:off x="6576861" y="1343818"/>
+            <a:ext cx="5017731" cy="4883245"/>
+          </a:xfrm>
+        </p:spPr>
+      </p:pic>
+    </p:spTree>
+    <p:extLst>
+      <p:ext uri="{BB962C8B-B14F-4D97-AF65-F5344CB8AC3E}">
+        <p14:creationId xmlns:p14="http://schemas.microsoft.com/office/powerpoint/2010/main" val="677855078"/>
+      </p:ext>
+    </p:extLst>
+  </p:cSld>
+  <p:clrMapOvr>
+    <a:masterClrMapping/>
+  </p:clrMapOvr>
+</p:sld>
+</file>
+
+<file path=ppt/slides/slide7.xml><?xml version="1.0" encoding="utf-8"?>
+<p:sld xmlns:a="http://schemas.openxmlformats.org/drawingml/2006/main" xmlns:r="http://schemas.openxmlformats.org/officeDocument/2006/relationships" xmlns:p="http://schemas.openxmlformats.org/presentationml/2006/main">
+  <p:cSld>
+    <p:spTree>
+      <p:nvGrpSpPr>
+        <p:cNvPr id="1" name=""/>
+        <p:cNvGrpSpPr/>
+        <p:nvPr/>
+      </p:nvGrpSpPr>
+      <p:grpSpPr>
+        <a:xfrm>
+          <a:off x="0" y="0"/>
+          <a:ext cx="0" cy="0"/>
+          <a:chOff x="0" y="0"/>
+          <a:chExt cx="0" cy="0"/>
+        </a:xfrm>
+      </p:grpSpPr>
+      <p:sp>
+        <p:nvSpPr>
+          <p:cNvPr id="2" name="Title 1">
+            <a:extLst>
+              <a:ext uri="{FF2B5EF4-FFF2-40B4-BE49-F238E27FC236}">
+                <a16:creationId xmlns:a16="http://schemas.microsoft.com/office/drawing/2014/main" id="{02873B0E-B85B-D493-9A89-0C682F74EE4A}"/>
+              </a:ext>
+            </a:extLst>
+          </p:cNvPr>
+          <p:cNvSpPr>
+            <a:spLocks noGrp="1"/>
+          </p:cNvSpPr>
+          <p:nvPr>
+            <p:ph type="title"/>
+          </p:nvPr>
+        </p:nvSpPr>
+        <p:spPr>
+          <a:xfrm>
+            <a:off x="838200" y="109729"/>
+            <a:ext cx="10515600" cy="676655"/>
+          </a:xfrm>
+        </p:spPr>
+        <p:txBody>
+          <a:bodyPr>
+            <a:normAutofit/>
+          </a:bodyPr>
+          <a:lstStyle/>
+          <a:p>
+            <a:pPr algn="ctr"/>
+            <a:r>
+              <a:rPr lang="en-AU" sz="3600" dirty="0"/>
+              <a:t>Visualisation 4(interactive): </a:t>
+            </a:r>
+            <a:r>
+              <a:rPr lang="en-AU" sz="3200" dirty="0"/>
+              <a:t>gauge charts </a:t>
+            </a:r>
+          </a:p>
+        </p:txBody>
+      </p:sp>
+      <p:pic>
+        <p:nvPicPr>
+          <p:cNvPr id="10" name="Picture 9">
+            <a:extLst>
+              <a:ext uri="{FF2B5EF4-FFF2-40B4-BE49-F238E27FC236}">
+                <a16:creationId xmlns:a16="http://schemas.microsoft.com/office/drawing/2014/main" id="{8022819F-CB8D-5150-240E-448B7DEE6FD4}"/>
+              </a:ext>
+            </a:extLst>
+          </p:cNvPr>
+          <p:cNvPicPr>
+            <a:picLocks noChangeAspect="1"/>
+          </p:cNvPicPr>
+          <p:nvPr/>
+        </p:nvPicPr>
+        <p:blipFill>
+          <a:blip r:embed="rId2"/>
+          <a:stretch>
+            <a:fillRect/>
+          </a:stretch>
+        </p:blipFill>
+        <p:spPr>
+          <a:xfrm>
+            <a:off x="1669195" y="724583"/>
+            <a:ext cx="8401482" cy="2887298"/>
+          </a:xfrm>
+          <a:prstGeom prst="rect">
+            <a:avLst/>
+          </a:prstGeom>
+        </p:spPr>
+      </p:pic>
+      <p:pic>
+        <p:nvPicPr>
+          <p:cNvPr id="15" name="Picture 14">
+            <a:extLst>
+              <a:ext uri="{FF2B5EF4-FFF2-40B4-BE49-F238E27FC236}">
+                <a16:creationId xmlns:a16="http://schemas.microsoft.com/office/drawing/2014/main" id="{4EB36CEC-0614-813A-2122-FC55FD720153}"/>
+              </a:ext>
+            </a:extLst>
+          </p:cNvPr>
+          <p:cNvPicPr>
+            <a:picLocks noChangeAspect="1"/>
+          </p:cNvPicPr>
+          <p:nvPr/>
+        </p:nvPicPr>
+        <p:blipFill>
+          <a:blip r:embed="rId3"/>
+          <a:stretch>
+            <a:fillRect/>
+          </a:stretch>
+        </p:blipFill>
+        <p:spPr>
+          <a:xfrm>
+            <a:off x="1669194" y="3789019"/>
+            <a:ext cx="8401482" cy="2959252"/>
+          </a:xfrm>
+          <a:prstGeom prst="rect">
+            <a:avLst/>
+          </a:prstGeom>
+        </p:spPr>
+      </p:pic>
+    </p:spTree>
+    <p:extLst>
+      <p:ext uri="{BB962C8B-B14F-4D97-AF65-F5344CB8AC3E}">
+        <p14:creationId xmlns:p14="http://schemas.microsoft.com/office/powerpoint/2010/main" val="500858328"/>
+      </p:ext>
+    </p:extLst>
+  </p:cSld>
+  <p:clrMapOvr>
+    <a:masterClrMapping/>
+  </p:clrMapOvr>
+</p:sld>
+</file>
+
+<file path=ppt/slides/slide8.xml><?xml version="1.0" encoding="utf-8"?>
 <p:sld xmlns:a="http://schemas.openxmlformats.org/drawingml/2006/main" xmlns:r="http://schemas.openxmlformats.org/officeDocument/2006/relationships" xmlns:p="http://schemas.openxmlformats.org/presentationml/2006/main">
   <p:cSld>
     <p:spTree>
